--- a/ClassMaterials/CohesionAndCoupling/Slides/Part4-OOD-DP4-CouplingCohesion.pptx
+++ b/ClassMaterials/CohesionAndCoupling/Slides/Part4-OOD-DP4-CouplingCohesion.pptx
@@ -283,7 +283,7 @@
           <a:p>
             <a:fld id="{11374350-B736-4AC1-A1E7-19777DF1B0E1}" type="datetimeFigureOut">
               <a:rPr lang="en-US" smtClean="0"/>
-              <a:t>11/22/2022</a:t>
+              <a:t>8/11/2023</a:t>
             </a:fld>
             <a:endParaRPr lang="en-US"/>
           </a:p>
@@ -2297,6 +2297,90 @@
 </p:notes>
 </file>
 
+<file path=ppt/notesSlides/notesSlide13.xml><?xml version="1.0" encoding="utf-8"?>
+<p:notes xmlns:a="http://schemas.openxmlformats.org/drawingml/2006/main" xmlns:r="http://schemas.openxmlformats.org/officeDocument/2006/relationships" xmlns:p="http://schemas.openxmlformats.org/presentationml/2006/main">
+  <p:cSld>
+    <p:spTree>
+      <p:nvGrpSpPr>
+        <p:cNvPr id="1" name=""/>
+        <p:cNvGrpSpPr/>
+        <p:nvPr/>
+      </p:nvGrpSpPr>
+      <p:grpSpPr>
+        <a:xfrm>
+          <a:off x="0" y="0"/>
+          <a:ext cx="0" cy="0"/>
+          <a:chOff x="0" y="0"/>
+          <a:chExt cx="0" cy="0"/>
+        </a:xfrm>
+      </p:grpSpPr>
+      <p:sp>
+        <p:nvSpPr>
+          <p:cNvPr id="2" name="Slide Image Placeholder 1"/>
+          <p:cNvSpPr>
+            <a:spLocks noGrp="1" noRot="1" noChangeAspect="1"/>
+          </p:cNvSpPr>
+          <p:nvPr>
+            <p:ph type="sldImg"/>
+          </p:nvPr>
+        </p:nvSpPr>
+        <p:spPr/>
+      </p:sp>
+      <p:sp>
+        <p:nvSpPr>
+          <p:cNvPr id="3" name="Notes Placeholder 2"/>
+          <p:cNvSpPr>
+            <a:spLocks noGrp="1"/>
+          </p:cNvSpPr>
+          <p:nvPr>
+            <p:ph type="body" idx="1"/>
+          </p:nvPr>
+        </p:nvSpPr>
+        <p:spPr/>
+        <p:txBody>
+          <a:bodyPr/>
+          <a:lstStyle/>
+          <a:p>
+            <a:endParaRPr lang="en-US" dirty="0"/>
+          </a:p>
+        </p:txBody>
+      </p:sp>
+      <p:sp>
+        <p:nvSpPr>
+          <p:cNvPr id="4" name="Slide Number Placeholder 3"/>
+          <p:cNvSpPr>
+            <a:spLocks noGrp="1"/>
+          </p:cNvSpPr>
+          <p:nvPr>
+            <p:ph type="sldNum" sz="quarter" idx="5"/>
+          </p:nvPr>
+        </p:nvSpPr>
+        <p:spPr/>
+        <p:txBody>
+          <a:bodyPr/>
+          <a:lstStyle/>
+          <a:p>
+            <a:fld id="{AC522A93-4968-4B29-BB16-64A778254383}" type="slidenum">
+              <a:rPr lang="en-US" smtClean="0"/>
+              <a:t>21</a:t>
+            </a:fld>
+            <a:endParaRPr lang="en-US"/>
+          </a:p>
+        </p:txBody>
+      </p:sp>
+    </p:spTree>
+    <p:extLst>
+      <p:ext uri="{BB962C8B-B14F-4D97-AF65-F5344CB8AC3E}">
+        <p14:creationId xmlns:p14="http://schemas.microsoft.com/office/powerpoint/2010/main" val="3671488146"/>
+      </p:ext>
+    </p:extLst>
+  </p:cSld>
+  <p:clrMapOvr>
+    <a:masterClrMapping/>
+  </p:clrMapOvr>
+</p:notes>
+</file>
+
 <file path=ppt/notesSlides/notesSlide2.xml><?xml version="1.0" encoding="utf-8"?>
 <p:notes xmlns:a="http://schemas.openxmlformats.org/drawingml/2006/main" xmlns:r="http://schemas.openxmlformats.org/officeDocument/2006/relationships" xmlns:p="http://schemas.openxmlformats.org/presentationml/2006/main">
   <p:cSld>
@@ -4338,7 +4422,7 @@
           <a:p>
             <a:fld id="{50A519B0-864F-436F-AD10-563B5AD2C023}" type="datetimeFigureOut">
               <a:rPr lang="en-US" smtClean="0"/>
-              <a:t>11/22/2022</a:t>
+              <a:t>8/11/2023</a:t>
             </a:fld>
             <a:endParaRPr lang="en-US"/>
           </a:p>
@@ -4506,7 +4590,7 @@
           <a:p>
             <a:fld id="{50A519B0-864F-436F-AD10-563B5AD2C023}" type="datetimeFigureOut">
               <a:rPr lang="en-US" smtClean="0"/>
-              <a:t>11/22/2022</a:t>
+              <a:t>8/11/2023</a:t>
             </a:fld>
             <a:endParaRPr lang="en-US"/>
           </a:p>
@@ -4684,7 +4768,7 @@
           <a:p>
             <a:fld id="{50A519B0-864F-436F-AD10-563B5AD2C023}" type="datetimeFigureOut">
               <a:rPr lang="en-US" smtClean="0"/>
-              <a:t>11/22/2022</a:t>
+              <a:t>8/11/2023</a:t>
             </a:fld>
             <a:endParaRPr lang="en-US"/>
           </a:p>
@@ -4852,7 +4936,7 @@
           <a:p>
             <a:fld id="{50A519B0-864F-436F-AD10-563B5AD2C023}" type="datetimeFigureOut">
               <a:rPr lang="en-US" smtClean="0"/>
-              <a:t>11/22/2022</a:t>
+              <a:t>8/11/2023</a:t>
             </a:fld>
             <a:endParaRPr lang="en-US"/>
           </a:p>
@@ -5097,7 +5181,7 @@
           <a:p>
             <a:fld id="{50A519B0-864F-436F-AD10-563B5AD2C023}" type="datetimeFigureOut">
               <a:rPr lang="en-US" smtClean="0"/>
-              <a:t>11/22/2022</a:t>
+              <a:t>8/11/2023</a:t>
             </a:fld>
             <a:endParaRPr lang="en-US"/>
           </a:p>
@@ -5382,7 +5466,7 @@
           <a:p>
             <a:fld id="{50A519B0-864F-436F-AD10-563B5AD2C023}" type="datetimeFigureOut">
               <a:rPr lang="en-US" smtClean="0"/>
-              <a:t>11/22/2022</a:t>
+              <a:t>8/11/2023</a:t>
             </a:fld>
             <a:endParaRPr lang="en-US"/>
           </a:p>
@@ -5801,7 +5885,7 @@
           <a:p>
             <a:fld id="{50A519B0-864F-436F-AD10-563B5AD2C023}" type="datetimeFigureOut">
               <a:rPr lang="en-US" smtClean="0"/>
-              <a:t>11/22/2022</a:t>
+              <a:t>8/11/2023</a:t>
             </a:fld>
             <a:endParaRPr lang="en-US"/>
           </a:p>
@@ -5918,7 +6002,7 @@
           <a:p>
             <a:fld id="{50A519B0-864F-436F-AD10-563B5AD2C023}" type="datetimeFigureOut">
               <a:rPr lang="en-US" smtClean="0"/>
-              <a:t>11/22/2022</a:t>
+              <a:t>8/11/2023</a:t>
             </a:fld>
             <a:endParaRPr lang="en-US"/>
           </a:p>
@@ -6013,7 +6097,7 @@
           <a:p>
             <a:fld id="{50A519B0-864F-436F-AD10-563B5AD2C023}" type="datetimeFigureOut">
               <a:rPr lang="en-US" smtClean="0"/>
-              <a:t>11/22/2022</a:t>
+              <a:t>8/11/2023</a:t>
             </a:fld>
             <a:endParaRPr lang="en-US"/>
           </a:p>
@@ -6288,7 +6372,7 @@
           <a:p>
             <a:fld id="{50A519B0-864F-436F-AD10-563B5AD2C023}" type="datetimeFigureOut">
               <a:rPr lang="en-US" smtClean="0"/>
-              <a:t>11/22/2022</a:t>
+              <a:t>8/11/2023</a:t>
             </a:fld>
             <a:endParaRPr lang="en-US"/>
           </a:p>
@@ -6540,7 +6624,7 @@
           <a:p>
             <a:fld id="{50A519B0-864F-436F-AD10-563B5AD2C023}" type="datetimeFigureOut">
               <a:rPr lang="en-US" smtClean="0"/>
-              <a:t>11/22/2022</a:t>
+              <a:t>8/11/2023</a:t>
             </a:fld>
             <a:endParaRPr lang="en-US"/>
           </a:p>
@@ -6751,7 +6835,7 @@
           <a:p>
             <a:fld id="{50A519B0-864F-436F-AD10-563B5AD2C023}" type="datetimeFigureOut">
               <a:rPr lang="en-US" smtClean="0"/>
-              <a:t>11/22/2022</a:t>
+              <a:t>8/11/2023</a:t>
             </a:fld>
             <a:endParaRPr lang="en-US"/>
           </a:p>
@@ -12739,19 +12823,14 @@
             </a:r>
             <a:r>
               <a:rPr lang="en-US" dirty="0"/>
-              <a:t> between objects when it does not disrupt usability or </a:t>
-            </a:r>
-            <a:r>
-              <a:rPr lang="en-US" dirty="0" err="1"/>
-              <a:t>extendability</a:t>
-            </a:r>
-            <a:endParaRPr lang="en-US" dirty="0"/>
+              <a:t> between objects when it does not disrupt usability or extendibility</a:t>
+            </a:r>
           </a:p>
           <a:p>
             <a:pPr lvl="1" fontAlgn="base"/>
             <a:r>
               <a:rPr lang="en-US" dirty="0"/>
-              <a:t>If you can see a simpler design that works use it</a:t>
+              <a:t>If you can see a simpler design that works, use it</a:t>
             </a:r>
           </a:p>
           <a:p>
@@ -13482,7 +13561,12 @@
             <p:ph idx="1"/>
           </p:nvPr>
         </p:nvSpPr>
-        <p:spPr/>
+        <p:spPr>
+          <a:xfrm>
+            <a:off x="223092" y="1537364"/>
+            <a:ext cx="8229600" cy="4525963"/>
+          </a:xfrm>
+        </p:spPr>
         <p:txBody>
           <a:bodyPr/>
           <a:lstStyle/>
@@ -13503,7 +13587,7 @@
             <a:pPr lvl="1"/>
             <a:r>
               <a:rPr lang="en-US" dirty="0"/>
-              <a:t>Classes that do only one thing well</a:t>
+              <a:t>Each does one thing well</a:t>
             </a:r>
           </a:p>
           <a:p>
@@ -13516,7 +13600,14 @@
             <a:pPr lvl="1"/>
             <a:r>
               <a:rPr lang="en-US" dirty="0"/>
-              <a:t>Tend to need to depend on each other</a:t>
+              <a:t>Tend to need to </a:t>
+            </a:r>
+            <a:br>
+              <a:rPr lang="en-US" dirty="0"/>
+            </a:br>
+            <a:r>
+              <a:rPr lang="en-US" dirty="0"/>
+              <a:t>depend on each other</a:t>
             </a:r>
           </a:p>
           <a:p>
@@ -13867,6 +13958,35 @@
           </a:p>
         </p:txBody>
       </p:sp>
+      <p:pic>
+        <p:nvPicPr>
+          <p:cNvPr id="7" name="Picture 6">
+            <a:extLst>
+              <a:ext uri="{FF2B5EF4-FFF2-40B4-BE49-F238E27FC236}">
+                <a16:creationId xmlns:a16="http://schemas.microsoft.com/office/drawing/2014/main" id="{80B73419-F056-B71C-4085-8E1FD6317C41}"/>
+              </a:ext>
+            </a:extLst>
+          </p:cNvPr>
+          <p:cNvPicPr>
+            <a:picLocks noChangeAspect="1"/>
+          </p:cNvPicPr>
+          <p:nvPr/>
+        </p:nvPicPr>
+        <p:blipFill rotWithShape="1">
+          <a:blip r:embed="rId3"/>
+          <a:srcRect l="12505" t="6013" r="12505" b="6673"/>
+          <a:stretch/>
+        </p:blipFill>
+        <p:spPr>
+          <a:xfrm>
+            <a:off x="4982672" y="1009031"/>
+            <a:ext cx="4131655" cy="3608025"/>
+          </a:xfrm>
+          <a:prstGeom prst="rect">
+            <a:avLst/>
+          </a:prstGeom>
+        </p:spPr>
+      </p:pic>
     </p:spTree>
     <p:extLst>
       <p:ext uri="{BB962C8B-B14F-4D97-AF65-F5344CB8AC3E}">
@@ -14174,7 +14294,7 @@
             <a:r>
               <a:rPr lang="en-US" u="sng" dirty="0">
                 <a:solidFill>
-                  <a:schemeClr val="accent6"/>
+                  <a:srgbClr val="0070C0"/>
                 </a:solidFill>
               </a:rPr>
               <a:t>H</a:t>
@@ -14182,7 +14302,7 @@
             <a:r>
               <a:rPr lang="en-US" dirty="0">
                 <a:solidFill>
-                  <a:schemeClr val="accent6"/>
+                  <a:srgbClr val="0070C0"/>
                 </a:solidFill>
               </a:rPr>
               <a:t>igh </a:t>
@@ -14190,7 +14310,7 @@
             <a:r>
               <a:rPr lang="en-US" dirty="0" err="1">
                 <a:solidFill>
-                  <a:schemeClr val="accent6"/>
+                  <a:srgbClr val="0070C0"/>
                 </a:solidFill>
               </a:rPr>
               <a:t>co</a:t>
@@ -14198,7 +14318,7 @@
             <a:r>
               <a:rPr lang="en-US" u="sng" dirty="0" err="1">
                 <a:solidFill>
-                  <a:schemeClr val="accent6"/>
+                  <a:srgbClr val="0070C0"/>
                 </a:solidFill>
               </a:rPr>
               <a:t>H</a:t>
@@ -14206,7 +14326,7 @@
             <a:r>
               <a:rPr lang="en-US" dirty="0" err="1">
                 <a:solidFill>
-                  <a:schemeClr val="accent6"/>
+                  <a:srgbClr val="0070C0"/>
                 </a:solidFill>
               </a:rPr>
               <a:t>esion</a:t>
@@ -14214,7 +14334,7 @@
             <a:r>
               <a:rPr lang="en-US" dirty="0">
                 <a:solidFill>
-                  <a:schemeClr val="accent6"/>
+                  <a:srgbClr val="0070C0"/>
                 </a:solidFill>
               </a:rPr>
               <a:t> </a:t>
@@ -14225,7 +14345,7 @@
             <a:r>
               <a:rPr lang="en-US" u="sng" dirty="0">
                 <a:solidFill>
-                  <a:srgbClr val="F79646"/>
+                  <a:srgbClr val="0070C0"/>
                 </a:solidFill>
               </a:rPr>
               <a:t>L</a:t>
@@ -14233,7 +14353,7 @@
             <a:r>
               <a:rPr lang="en-US" dirty="0">
                 <a:solidFill>
-                  <a:srgbClr val="F79646"/>
+                  <a:srgbClr val="0070C0"/>
                 </a:solidFill>
               </a:rPr>
               <a:t>ow </a:t>
@@ -14241,7 +14361,7 @@
             <a:r>
               <a:rPr lang="en-US" dirty="0" err="1">
                 <a:solidFill>
-                  <a:srgbClr val="F79646"/>
+                  <a:srgbClr val="0070C0"/>
                 </a:solidFill>
               </a:rPr>
               <a:t>coup</a:t>
@@ -14249,7 +14369,7 @@
             <a:r>
               <a:rPr lang="en-US" u="sng" dirty="0" err="1">
                 <a:solidFill>
-                  <a:srgbClr val="F79646"/>
+                  <a:srgbClr val="0070C0"/>
                 </a:solidFill>
               </a:rPr>
               <a:t>L</a:t>
@@ -14257,14 +14377,14 @@
             <a:r>
               <a:rPr lang="en-US" dirty="0" err="1">
                 <a:solidFill>
-                  <a:srgbClr val="F79646"/>
+                  <a:srgbClr val="0070C0"/>
                 </a:solidFill>
               </a:rPr>
               <a:t>ing</a:t>
             </a:r>
             <a:endParaRPr lang="en-US" dirty="0">
               <a:solidFill>
-                <a:srgbClr val="F79646"/>
+                <a:srgbClr val="0070C0"/>
               </a:solidFill>
             </a:endParaRPr>
           </a:p>
@@ -15454,7 +15574,7 @@
           <a:p>
             <a:r>
               <a:rPr lang="en-US" dirty="0"/>
-              <a:t>Cohesion – From Textbook</a:t>
+              <a:t>Cohesion (Good)</a:t>
             </a:r>
           </a:p>
         </p:txBody>
@@ -15486,7 +15606,22 @@
             </a:r>
             <a:r>
               <a:rPr lang="en-US" dirty="0"/>
-              <a:t>.  All of of the class's interface features should be closely related to the single concept that the class represents.  Such a class is said to be cohesive.</a:t>
+              <a:t>.  </a:t>
+            </a:r>
+            <a:br>
+              <a:rPr lang="en-US" dirty="0"/>
+            </a:br>
+            <a:r>
+              <a:rPr lang="en-US" dirty="0"/>
+              <a:t>All of of the class's interface features should be closely related to the single concept that the class represents.  Such a class is said to be </a:t>
+            </a:r>
+            <a:r>
+              <a:rPr lang="en-US" i="1" dirty="0"/>
+              <a:t>cohesive</a:t>
+            </a:r>
+            <a:r>
+              <a:rPr lang="en-US" dirty="0"/>
+              <a:t>.</a:t>
             </a:r>
           </a:p>
           <a:p>
@@ -15568,7 +15703,7 @@
           <a:p>
             <a:r>
               <a:rPr lang="en-US" dirty="0"/>
-              <a:t>Coupling</a:t>
+              <a:t>Coupling (Bad)</a:t>
             </a:r>
           </a:p>
         </p:txBody>
@@ -17086,18 +17221,18 @@
 </file>
 
 <file path=customXml/item2.xml><?xml version="1.0" encoding="utf-8"?>
+<p:properties xmlns:p="http://schemas.microsoft.com/office/2006/metadata/properties" xmlns:xsi="http://www.w3.org/2001/XMLSchema-instance" xmlns:pc="http://schemas.microsoft.com/office/infopath/2007/PartnerControls">
+  <documentManagement/>
+</p:properties>
+</file>
+
+<file path=customXml/item3.xml><?xml version="1.0" encoding="utf-8"?>
 <?mso-contentType ?>
 <FormTemplates xmlns="http://schemas.microsoft.com/sharepoint/v3/contenttype/forms">
   <Display>DocumentLibraryForm</Display>
   <Edit>DocumentLibraryForm</Edit>
   <New>DocumentLibraryForm</New>
 </FormTemplates>
-</file>
-
-<file path=customXml/item3.xml><?xml version="1.0" encoding="utf-8"?>
-<p:properties xmlns:p="http://schemas.microsoft.com/office/2006/metadata/properties" xmlns:xsi="http://www.w3.org/2001/XMLSchema-instance" xmlns:pc="http://schemas.microsoft.com/office/infopath/2007/PartnerControls">
-  <documentManagement/>
-</p:properties>
 </file>
 
 <file path=customXml/itemProps1.xml><?xml version="1.0" encoding="utf-8"?>
@@ -17119,18 +17254,18 @@
 </file>
 
 <file path=customXml/itemProps2.xml><?xml version="1.0" encoding="utf-8"?>
-<ds:datastoreItem xmlns:ds="http://schemas.openxmlformats.org/officeDocument/2006/customXml" ds:itemID="{5980F753-D13C-4194-9F10-72128136EC8C}">
-  <ds:schemaRefs>
-    <ds:schemaRef ds:uri="http://schemas.microsoft.com/sharepoint/v3/contenttype/forms"/>
-  </ds:schemaRefs>
-</ds:datastoreItem>
-</file>
-
-<file path=customXml/itemProps3.xml><?xml version="1.0" encoding="utf-8"?>
 <ds:datastoreItem xmlns:ds="http://schemas.openxmlformats.org/officeDocument/2006/customXml" ds:itemID="{31859F2F-4CBB-4C09-B2D6-3077EC1C6F8E}">
   <ds:schemaRefs>
     <ds:schemaRef ds:uri="http://schemas.microsoft.com/office/2006/metadata/properties"/>
     <ds:schemaRef ds:uri="http://schemas.microsoft.com/office/infopath/2007/PartnerControls"/>
   </ds:schemaRefs>
 </ds:datastoreItem>
+</file>
+
+<file path=customXml/itemProps3.xml><?xml version="1.0" encoding="utf-8"?>
+<ds:datastoreItem xmlns:ds="http://schemas.openxmlformats.org/officeDocument/2006/customXml" ds:itemID="{5980F753-D13C-4194-9F10-72128136EC8C}">
+  <ds:schemaRefs>
+    <ds:schemaRef ds:uri="http://schemas.microsoft.com/sharepoint/v3/contenttype/forms"/>
+  </ds:schemaRefs>
+</ds:datastoreItem>
 </file>
--- a/ClassMaterials/CohesionAndCoupling/Slides/Part4-OOD-DP4-CouplingCohesion.pptx
+++ b/ClassMaterials/CohesionAndCoupling/Slides/Part4-OOD-DP4-CouplingCohesion.pptx
@@ -283,7 +283,7 @@
           <a:p>
             <a:fld id="{11374350-B736-4AC1-A1E7-19777DF1B0E1}" type="datetimeFigureOut">
               <a:rPr lang="en-US" smtClean="0"/>
-              <a:t>8/11/2023</a:t>
+              <a:t>12/14/2023</a:t>
             </a:fld>
             <a:endParaRPr lang="en-US"/>
           </a:p>
@@ -4422,7 +4422,7 @@
           <a:p>
             <a:fld id="{50A519B0-864F-436F-AD10-563B5AD2C023}" type="datetimeFigureOut">
               <a:rPr lang="en-US" smtClean="0"/>
-              <a:t>8/11/2023</a:t>
+              <a:t>12/14/2023</a:t>
             </a:fld>
             <a:endParaRPr lang="en-US"/>
           </a:p>
@@ -4590,7 +4590,7 @@
           <a:p>
             <a:fld id="{50A519B0-864F-436F-AD10-563B5AD2C023}" type="datetimeFigureOut">
               <a:rPr lang="en-US" smtClean="0"/>
-              <a:t>8/11/2023</a:t>
+              <a:t>12/14/2023</a:t>
             </a:fld>
             <a:endParaRPr lang="en-US"/>
           </a:p>
@@ -4768,7 +4768,7 @@
           <a:p>
             <a:fld id="{50A519B0-864F-436F-AD10-563B5AD2C023}" type="datetimeFigureOut">
               <a:rPr lang="en-US" smtClean="0"/>
-              <a:t>8/11/2023</a:t>
+              <a:t>12/14/2023</a:t>
             </a:fld>
             <a:endParaRPr lang="en-US"/>
           </a:p>
@@ -4936,7 +4936,7 @@
           <a:p>
             <a:fld id="{50A519B0-864F-436F-AD10-563B5AD2C023}" type="datetimeFigureOut">
               <a:rPr lang="en-US" smtClean="0"/>
-              <a:t>8/11/2023</a:t>
+              <a:t>12/14/2023</a:t>
             </a:fld>
             <a:endParaRPr lang="en-US"/>
           </a:p>
@@ -5181,7 +5181,7 @@
           <a:p>
             <a:fld id="{50A519B0-864F-436F-AD10-563B5AD2C023}" type="datetimeFigureOut">
               <a:rPr lang="en-US" smtClean="0"/>
-              <a:t>8/11/2023</a:t>
+              <a:t>12/14/2023</a:t>
             </a:fld>
             <a:endParaRPr lang="en-US"/>
           </a:p>
@@ -5466,7 +5466,7 @@
           <a:p>
             <a:fld id="{50A519B0-864F-436F-AD10-563B5AD2C023}" type="datetimeFigureOut">
               <a:rPr lang="en-US" smtClean="0"/>
-              <a:t>8/11/2023</a:t>
+              <a:t>12/14/2023</a:t>
             </a:fld>
             <a:endParaRPr lang="en-US"/>
           </a:p>
@@ -5885,7 +5885,7 @@
           <a:p>
             <a:fld id="{50A519B0-864F-436F-AD10-563B5AD2C023}" type="datetimeFigureOut">
               <a:rPr lang="en-US" smtClean="0"/>
-              <a:t>8/11/2023</a:t>
+              <a:t>12/14/2023</a:t>
             </a:fld>
             <a:endParaRPr lang="en-US"/>
           </a:p>
@@ -6002,7 +6002,7 @@
           <a:p>
             <a:fld id="{50A519B0-864F-436F-AD10-563B5AD2C023}" type="datetimeFigureOut">
               <a:rPr lang="en-US" smtClean="0"/>
-              <a:t>8/11/2023</a:t>
+              <a:t>12/14/2023</a:t>
             </a:fld>
             <a:endParaRPr lang="en-US"/>
           </a:p>
@@ -6097,7 +6097,7 @@
           <a:p>
             <a:fld id="{50A519B0-864F-436F-AD10-563B5AD2C023}" type="datetimeFigureOut">
               <a:rPr lang="en-US" smtClean="0"/>
-              <a:t>8/11/2023</a:t>
+              <a:t>12/14/2023</a:t>
             </a:fld>
             <a:endParaRPr lang="en-US"/>
           </a:p>
@@ -6372,7 +6372,7 @@
           <a:p>
             <a:fld id="{50A519B0-864F-436F-AD10-563B5AD2C023}" type="datetimeFigureOut">
               <a:rPr lang="en-US" smtClean="0"/>
-              <a:t>8/11/2023</a:t>
+              <a:t>12/14/2023</a:t>
             </a:fld>
             <a:endParaRPr lang="en-US"/>
           </a:p>
@@ -6624,7 +6624,7 @@
           <a:p>
             <a:fld id="{50A519B0-864F-436F-AD10-563B5AD2C023}" type="datetimeFigureOut">
               <a:rPr lang="en-US" smtClean="0"/>
-              <a:t>8/11/2023</a:t>
+              <a:t>12/14/2023</a:t>
             </a:fld>
             <a:endParaRPr lang="en-US"/>
           </a:p>
@@ -6835,7 +6835,7 @@
           <a:p>
             <a:fld id="{50A519B0-864F-436F-AD10-563B5AD2C023}" type="datetimeFigureOut">
               <a:rPr lang="en-US" smtClean="0"/>
-              <a:t>8/11/2023</a:t>
+              <a:t>12/14/2023</a:t>
             </a:fld>
             <a:endParaRPr lang="en-US"/>
           </a:p>
@@ -13539,7 +13539,12 @@
             <p:ph type="title"/>
           </p:nvPr>
         </p:nvSpPr>
-        <p:spPr/>
+        <p:spPr>
+          <a:xfrm>
+            <a:off x="457200" y="24234"/>
+            <a:ext cx="8229600" cy="982721"/>
+          </a:xfrm>
+        </p:spPr>
         <p:txBody>
           <a:bodyPr/>
           <a:lstStyle/>
@@ -17221,18 +17226,18 @@
 </file>
 
 <file path=customXml/item2.xml><?xml version="1.0" encoding="utf-8"?>
-<p:properties xmlns:p="http://schemas.microsoft.com/office/2006/metadata/properties" xmlns:xsi="http://www.w3.org/2001/XMLSchema-instance" xmlns:pc="http://schemas.microsoft.com/office/infopath/2007/PartnerControls">
-  <documentManagement/>
-</p:properties>
-</file>
-
-<file path=customXml/item3.xml><?xml version="1.0" encoding="utf-8"?>
 <?mso-contentType ?>
 <FormTemplates xmlns="http://schemas.microsoft.com/sharepoint/v3/contenttype/forms">
   <Display>DocumentLibraryForm</Display>
   <Edit>DocumentLibraryForm</Edit>
   <New>DocumentLibraryForm</New>
 </FormTemplates>
+</file>
+
+<file path=customXml/item3.xml><?xml version="1.0" encoding="utf-8"?>
+<p:properties xmlns:p="http://schemas.microsoft.com/office/2006/metadata/properties" xmlns:xsi="http://www.w3.org/2001/XMLSchema-instance" xmlns:pc="http://schemas.microsoft.com/office/infopath/2007/PartnerControls">
+  <documentManagement/>
+</p:properties>
 </file>
 
 <file path=customXml/itemProps1.xml><?xml version="1.0" encoding="utf-8"?>
@@ -17254,18 +17259,18 @@
 </file>
 
 <file path=customXml/itemProps2.xml><?xml version="1.0" encoding="utf-8"?>
+<ds:datastoreItem xmlns:ds="http://schemas.openxmlformats.org/officeDocument/2006/customXml" ds:itemID="{5980F753-D13C-4194-9F10-72128136EC8C}">
+  <ds:schemaRefs>
+    <ds:schemaRef ds:uri="http://schemas.microsoft.com/sharepoint/v3/contenttype/forms"/>
+  </ds:schemaRefs>
+</ds:datastoreItem>
+</file>
+
+<file path=customXml/itemProps3.xml><?xml version="1.0" encoding="utf-8"?>
 <ds:datastoreItem xmlns:ds="http://schemas.openxmlformats.org/officeDocument/2006/customXml" ds:itemID="{31859F2F-4CBB-4C09-B2D6-3077EC1C6F8E}">
   <ds:schemaRefs>
     <ds:schemaRef ds:uri="http://schemas.microsoft.com/office/2006/metadata/properties"/>
     <ds:schemaRef ds:uri="http://schemas.microsoft.com/office/infopath/2007/PartnerControls"/>
   </ds:schemaRefs>
 </ds:datastoreItem>
-</file>
-
-<file path=customXml/itemProps3.xml><?xml version="1.0" encoding="utf-8"?>
-<ds:datastoreItem xmlns:ds="http://schemas.openxmlformats.org/officeDocument/2006/customXml" ds:itemID="{5980F753-D13C-4194-9F10-72128136EC8C}">
-  <ds:schemaRefs>
-    <ds:schemaRef ds:uri="http://schemas.microsoft.com/sharepoint/v3/contenttype/forms"/>
-  </ds:schemaRefs>
-</ds:datastoreItem>
 </file>